--- a/Codigos_2023-2/Presentaciones/VariableMonitoria.pptx
+++ b/Codigos_2023-2/Presentaciones/VariableMonitoria.pptx
@@ -8,6 +8,7 @@
     <p:sldId id="256" r:id="rId2"/>
     <p:sldId id="257" r:id="rId3"/>
     <p:sldId id="258" r:id="rId4"/>
+    <p:sldId id="259" r:id="rId5"/>
   </p:sldIdLst>
   <p:sldSz cx="12192000" cy="6858000"/>
   <p:notesSz cx="6858000" cy="9144000"/>
@@ -263,7 +264,7 @@
           <a:p>
             <a:fld id="{79762F84-B954-40D7-AD94-24E025913831}" type="datetimeFigureOut">
               <a:rPr lang="es-CO" smtClean="0"/>
-              <a:t>27/08/2023</a:t>
+              <a:t>28/08/2023</a:t>
             </a:fld>
             <a:endParaRPr lang="es-CO"/>
           </a:p>
@@ -463,7 +464,7 @@
           <a:p>
             <a:fld id="{79762F84-B954-40D7-AD94-24E025913831}" type="datetimeFigureOut">
               <a:rPr lang="es-CO" smtClean="0"/>
-              <a:t>27/08/2023</a:t>
+              <a:t>28/08/2023</a:t>
             </a:fld>
             <a:endParaRPr lang="es-CO"/>
           </a:p>
@@ -673,7 +674,7 @@
           <a:p>
             <a:fld id="{79762F84-B954-40D7-AD94-24E025913831}" type="datetimeFigureOut">
               <a:rPr lang="es-CO" smtClean="0"/>
-              <a:t>27/08/2023</a:t>
+              <a:t>28/08/2023</a:t>
             </a:fld>
             <a:endParaRPr lang="es-CO"/>
           </a:p>
@@ -873,7 +874,7 @@
           <a:p>
             <a:fld id="{79762F84-B954-40D7-AD94-24E025913831}" type="datetimeFigureOut">
               <a:rPr lang="es-CO" smtClean="0"/>
-              <a:t>27/08/2023</a:t>
+              <a:t>28/08/2023</a:t>
             </a:fld>
             <a:endParaRPr lang="es-CO"/>
           </a:p>
@@ -1149,7 +1150,7 @@
           <a:p>
             <a:fld id="{79762F84-B954-40D7-AD94-24E025913831}" type="datetimeFigureOut">
               <a:rPr lang="es-CO" smtClean="0"/>
-              <a:t>27/08/2023</a:t>
+              <a:t>28/08/2023</a:t>
             </a:fld>
             <a:endParaRPr lang="es-CO"/>
           </a:p>
@@ -1417,7 +1418,7 @@
           <a:p>
             <a:fld id="{79762F84-B954-40D7-AD94-24E025913831}" type="datetimeFigureOut">
               <a:rPr lang="es-CO" smtClean="0"/>
-              <a:t>27/08/2023</a:t>
+              <a:t>28/08/2023</a:t>
             </a:fld>
             <a:endParaRPr lang="es-CO"/>
           </a:p>
@@ -1832,7 +1833,7 @@
           <a:p>
             <a:fld id="{79762F84-B954-40D7-AD94-24E025913831}" type="datetimeFigureOut">
               <a:rPr lang="es-CO" smtClean="0"/>
-              <a:t>27/08/2023</a:t>
+              <a:t>28/08/2023</a:t>
             </a:fld>
             <a:endParaRPr lang="es-CO"/>
           </a:p>
@@ -1974,7 +1975,7 @@
           <a:p>
             <a:fld id="{79762F84-B954-40D7-AD94-24E025913831}" type="datetimeFigureOut">
               <a:rPr lang="es-CO" smtClean="0"/>
-              <a:t>27/08/2023</a:t>
+              <a:t>28/08/2023</a:t>
             </a:fld>
             <a:endParaRPr lang="es-CO"/>
           </a:p>
@@ -2087,7 +2088,7 @@
           <a:p>
             <a:fld id="{79762F84-B954-40D7-AD94-24E025913831}" type="datetimeFigureOut">
               <a:rPr lang="es-CO" smtClean="0"/>
-              <a:t>27/08/2023</a:t>
+              <a:t>28/08/2023</a:t>
             </a:fld>
             <a:endParaRPr lang="es-CO"/>
           </a:p>
@@ -2400,7 +2401,7 @@
           <a:p>
             <a:fld id="{79762F84-B954-40D7-AD94-24E025913831}" type="datetimeFigureOut">
               <a:rPr lang="es-CO" smtClean="0"/>
-              <a:t>27/08/2023</a:t>
+              <a:t>28/08/2023</a:t>
             </a:fld>
             <a:endParaRPr lang="es-CO"/>
           </a:p>
@@ -2689,7 +2690,7 @@
           <a:p>
             <a:fld id="{79762F84-B954-40D7-AD94-24E025913831}" type="datetimeFigureOut">
               <a:rPr lang="es-CO" smtClean="0"/>
-              <a:t>27/08/2023</a:t>
+              <a:t>28/08/2023</a:t>
             </a:fld>
             <a:endParaRPr lang="es-CO"/>
           </a:p>
@@ -2932,7 +2933,7 @@
           <a:p>
             <a:fld id="{79762F84-B954-40D7-AD94-24E025913831}" type="datetimeFigureOut">
               <a:rPr lang="es-CO" smtClean="0"/>
-              <a:t>27/08/2023</a:t>
+              <a:t>28/08/2023</a:t>
             </a:fld>
             <a:endParaRPr lang="es-CO"/>
           </a:p>
@@ -4575,6 +4576,1199 @@
 </p:sld>
 </file>
 
+<file path=ppt/slides/slide4.xml><?xml version="1.0" encoding="utf-8"?>
+<p:sld xmlns:a="http://schemas.openxmlformats.org/drawingml/2006/main" xmlns:r="http://schemas.openxmlformats.org/officeDocument/2006/relationships" xmlns:p="http://schemas.openxmlformats.org/presentationml/2006/main">
+  <p:cSld>
+    <p:spTree>
+      <p:nvGrpSpPr>
+        <p:cNvPr id="1" name=""/>
+        <p:cNvGrpSpPr/>
+        <p:nvPr/>
+      </p:nvGrpSpPr>
+      <p:grpSpPr>
+        <a:xfrm>
+          <a:off x="0" y="0"/>
+          <a:ext cx="0" cy="0"/>
+          <a:chOff x="0" y="0"/>
+          <a:chExt cx="0" cy="0"/>
+        </a:xfrm>
+      </p:grpSpPr>
+      <p:sp>
+        <p:nvSpPr>
+          <p:cNvPr id="4" name="Rectángulo 3">
+            <a:extLst>
+              <a:ext uri="{FF2B5EF4-FFF2-40B4-BE49-F238E27FC236}">
+                <a16:creationId xmlns:a16="http://schemas.microsoft.com/office/drawing/2014/main" id="{351CBD5E-B34B-4D31-BB20-6F4CCDFBFE8C}"/>
+              </a:ext>
+            </a:extLst>
+          </p:cNvPr>
+          <p:cNvSpPr/>
+          <p:nvPr/>
+        </p:nvSpPr>
+        <p:spPr>
+          <a:xfrm>
+            <a:off x="7256" y="0"/>
+            <a:ext cx="12192000" cy="6858000"/>
+          </a:xfrm>
+          <a:prstGeom prst="rect">
+            <a:avLst/>
+          </a:prstGeom>
+          <a:solidFill>
+            <a:srgbClr val="15151E"/>
+          </a:solidFill>
+          <a:ln>
+            <a:solidFill>
+              <a:srgbClr val="15151E"/>
+            </a:solidFill>
+          </a:ln>
+        </p:spPr>
+        <p:style>
+          <a:lnRef idx="2">
+            <a:schemeClr val="accent1">
+              <a:shade val="50000"/>
+            </a:schemeClr>
+          </a:lnRef>
+          <a:fillRef idx="1">
+            <a:schemeClr val="accent1"/>
+          </a:fillRef>
+          <a:effectRef idx="0">
+            <a:schemeClr val="accent1"/>
+          </a:effectRef>
+          <a:fontRef idx="minor">
+            <a:schemeClr val="lt1"/>
+          </a:fontRef>
+        </p:style>
+        <p:txBody>
+          <a:bodyPr rtlCol="0" anchor="ctr"/>
+          <a:lstStyle/>
+          <a:p>
+            <a:endParaRPr lang="es-CO" dirty="0">
+              <a:solidFill>
+                <a:srgbClr val="C9D1D9"/>
+              </a:solidFill>
+              <a:latin typeface="Consolas" panose="020B0609020204030204" pitchFamily="49" charset="0"/>
+            </a:endParaRPr>
+          </a:p>
+        </p:txBody>
+      </p:sp>
+      <p:sp>
+        <p:nvSpPr>
+          <p:cNvPr id="5" name="Rectángulo 4">
+            <a:extLst>
+              <a:ext uri="{FF2B5EF4-FFF2-40B4-BE49-F238E27FC236}">
+                <a16:creationId xmlns:a16="http://schemas.microsoft.com/office/drawing/2014/main" id="{2D6669F9-D8EF-4400-8071-71DCEA727E24}"/>
+              </a:ext>
+            </a:extLst>
+          </p:cNvPr>
+          <p:cNvSpPr/>
+          <p:nvPr/>
+        </p:nvSpPr>
+        <p:spPr>
+          <a:xfrm>
+            <a:off x="381000" y="139700"/>
+            <a:ext cx="11328400" cy="45719"/>
+          </a:xfrm>
+          <a:prstGeom prst="rect">
+            <a:avLst/>
+          </a:prstGeom>
+          <a:solidFill>
+            <a:schemeClr val="bg1"/>
+          </a:solidFill>
+          <a:ln>
+            <a:solidFill>
+              <a:schemeClr val="bg1"/>
+            </a:solidFill>
+          </a:ln>
+        </p:spPr>
+        <p:style>
+          <a:lnRef idx="2">
+            <a:schemeClr val="accent1">
+              <a:shade val="50000"/>
+            </a:schemeClr>
+          </a:lnRef>
+          <a:fillRef idx="1">
+            <a:schemeClr val="accent1"/>
+          </a:fillRef>
+          <a:effectRef idx="0">
+            <a:schemeClr val="accent1"/>
+          </a:effectRef>
+          <a:fontRef idx="minor">
+            <a:schemeClr val="lt1"/>
+          </a:fontRef>
+        </p:style>
+        <p:txBody>
+          <a:bodyPr rtlCol="0" anchor="ctr"/>
+          <a:lstStyle/>
+          <a:p>
+            <a:pPr algn="ctr"/>
+            <a:endParaRPr lang="es-CO"/>
+          </a:p>
+        </p:txBody>
+      </p:sp>
+      <p:sp>
+        <p:nvSpPr>
+          <p:cNvPr id="6" name="Rectángulo 5">
+            <a:extLst>
+              <a:ext uri="{FF2B5EF4-FFF2-40B4-BE49-F238E27FC236}">
+                <a16:creationId xmlns:a16="http://schemas.microsoft.com/office/drawing/2014/main" id="{47918736-677D-41F1-A251-045612E64F60}"/>
+              </a:ext>
+            </a:extLst>
+          </p:cNvPr>
+          <p:cNvSpPr/>
+          <p:nvPr/>
+        </p:nvSpPr>
+        <p:spPr>
+          <a:xfrm>
+            <a:off x="381000" y="6489700"/>
+            <a:ext cx="11328400" cy="45719"/>
+          </a:xfrm>
+          <a:prstGeom prst="rect">
+            <a:avLst/>
+          </a:prstGeom>
+          <a:solidFill>
+            <a:schemeClr val="bg1"/>
+          </a:solidFill>
+          <a:ln>
+            <a:solidFill>
+              <a:schemeClr val="bg1"/>
+            </a:solidFill>
+          </a:ln>
+        </p:spPr>
+        <p:style>
+          <a:lnRef idx="2">
+            <a:schemeClr val="accent1">
+              <a:shade val="50000"/>
+            </a:schemeClr>
+          </a:lnRef>
+          <a:fillRef idx="1">
+            <a:schemeClr val="accent1"/>
+          </a:fillRef>
+          <a:effectRef idx="0">
+            <a:schemeClr val="accent1"/>
+          </a:effectRef>
+          <a:fontRef idx="minor">
+            <a:schemeClr val="lt1"/>
+          </a:fontRef>
+        </p:style>
+        <p:txBody>
+          <a:bodyPr rtlCol="0" anchor="ctr"/>
+          <a:lstStyle/>
+          <a:p>
+            <a:pPr algn="ctr"/>
+            <a:endParaRPr lang="es-CO"/>
+          </a:p>
+        </p:txBody>
+      </p:sp>
+      <p:sp>
+        <p:nvSpPr>
+          <p:cNvPr id="7" name="CuadroTexto 6">
+            <a:extLst>
+              <a:ext uri="{FF2B5EF4-FFF2-40B4-BE49-F238E27FC236}">
+                <a16:creationId xmlns:a16="http://schemas.microsoft.com/office/drawing/2014/main" id="{9F6A6D2E-EDC1-465C-A1F6-9D80EDE923AD}"/>
+              </a:ext>
+            </a:extLst>
+          </p:cNvPr>
+          <p:cNvSpPr txBox="1"/>
+          <p:nvPr/>
+        </p:nvSpPr>
+        <p:spPr>
+          <a:xfrm>
+            <a:off x="927100" y="889000"/>
+            <a:ext cx="9893300" cy="646331"/>
+          </a:xfrm>
+          <a:prstGeom prst="rect">
+            <a:avLst/>
+          </a:prstGeom>
+          <a:noFill/>
+        </p:spPr>
+        <p:txBody>
+          <a:bodyPr wrap="square" rtlCol="0">
+            <a:spAutoFit/>
+          </a:bodyPr>
+          <a:lstStyle/>
+          <a:p>
+            <a:pPr algn="ctr"/>
+            <a:r>
+              <a:rPr lang="es-CO" sz="3600" dirty="0">
+                <a:solidFill>
+                  <a:schemeClr val="bg1"/>
+                </a:solidFill>
+              </a:rPr>
+              <a:t>Operaciones entre variables</a:t>
+            </a:r>
+          </a:p>
+        </p:txBody>
+      </p:sp>
+      <p:sp>
+        <p:nvSpPr>
+          <p:cNvPr id="2" name="Rectángulo 1">
+            <a:extLst>
+              <a:ext uri="{FF2B5EF4-FFF2-40B4-BE49-F238E27FC236}">
+                <a16:creationId xmlns:a16="http://schemas.microsoft.com/office/drawing/2014/main" id="{0FDF5AF9-318A-4922-B3AC-B1B4EF1E618E}"/>
+              </a:ext>
+            </a:extLst>
+          </p:cNvPr>
+          <p:cNvSpPr/>
+          <p:nvPr/>
+        </p:nvSpPr>
+        <p:spPr>
+          <a:xfrm>
+            <a:off x="1107989" y="1750338"/>
+            <a:ext cx="6096000" cy="707886"/>
+          </a:xfrm>
+          <a:prstGeom prst="rect">
+            <a:avLst/>
+          </a:prstGeom>
+        </p:spPr>
+        <p:txBody>
+          <a:bodyPr>
+            <a:spAutoFit/>
+          </a:bodyPr>
+          <a:lstStyle/>
+          <a:p>
+            <a:r>
+              <a:rPr lang="es-CO" sz="2000" dirty="0">
+                <a:solidFill>
+                  <a:srgbClr val="C9D1D9"/>
+                </a:solidFill>
+                <a:latin typeface="Consolas" panose="020B0609020204030204" pitchFamily="49" charset="0"/>
+              </a:rPr>
+              <a:t>suma </a:t>
+            </a:r>
+            <a:r>
+              <a:rPr lang="es-CO" sz="2000" dirty="0">
+                <a:solidFill>
+                  <a:srgbClr val="EC8E2C"/>
+                </a:solidFill>
+                <a:latin typeface="Consolas" panose="020B0609020204030204" pitchFamily="49" charset="0"/>
+              </a:rPr>
+              <a:t>=</a:t>
+            </a:r>
+            <a:r>
+              <a:rPr lang="es-CO" sz="2000" dirty="0">
+                <a:solidFill>
+                  <a:srgbClr val="C9D1D9"/>
+                </a:solidFill>
+                <a:latin typeface="Consolas" panose="020B0609020204030204" pitchFamily="49" charset="0"/>
+              </a:rPr>
+              <a:t> </a:t>
+            </a:r>
+            <a:r>
+              <a:rPr lang="es-CO" sz="2000" dirty="0">
+                <a:solidFill>
+                  <a:srgbClr val="79C0FF"/>
+                </a:solidFill>
+                <a:latin typeface="Consolas" panose="020B0609020204030204" pitchFamily="49" charset="0"/>
+              </a:rPr>
+              <a:t>2</a:t>
+            </a:r>
+            <a:r>
+              <a:rPr lang="es-CO" sz="2000" dirty="0">
+                <a:solidFill>
+                  <a:srgbClr val="C9D1D9"/>
+                </a:solidFill>
+                <a:latin typeface="Consolas" panose="020B0609020204030204" pitchFamily="49" charset="0"/>
+              </a:rPr>
+              <a:t> </a:t>
+            </a:r>
+            <a:r>
+              <a:rPr lang="es-CO" sz="2000" dirty="0">
+                <a:solidFill>
+                  <a:srgbClr val="EC8E2C"/>
+                </a:solidFill>
+                <a:latin typeface="Consolas" panose="020B0609020204030204" pitchFamily="49" charset="0"/>
+              </a:rPr>
+              <a:t>+</a:t>
+            </a:r>
+            <a:r>
+              <a:rPr lang="es-CO" sz="2000" dirty="0">
+                <a:solidFill>
+                  <a:srgbClr val="C9D1D9"/>
+                </a:solidFill>
+                <a:latin typeface="Consolas" panose="020B0609020204030204" pitchFamily="49" charset="0"/>
+              </a:rPr>
+              <a:t> </a:t>
+            </a:r>
+            <a:r>
+              <a:rPr lang="es-CO" sz="2000" dirty="0">
+                <a:solidFill>
+                  <a:srgbClr val="79C0FF"/>
+                </a:solidFill>
+                <a:latin typeface="Consolas" panose="020B0609020204030204" pitchFamily="49" charset="0"/>
+              </a:rPr>
+              <a:t>2</a:t>
+            </a:r>
+            <a:endParaRPr lang="es-CO" sz="2000" dirty="0">
+              <a:solidFill>
+                <a:srgbClr val="C9D1D9"/>
+              </a:solidFill>
+              <a:latin typeface="Consolas" panose="020B0609020204030204" pitchFamily="49" charset="0"/>
+            </a:endParaRPr>
+          </a:p>
+          <a:p>
+            <a:r>
+              <a:rPr lang="es-CO" sz="2000" dirty="0">
+                <a:solidFill>
+                  <a:srgbClr val="8B949E"/>
+                </a:solidFill>
+                <a:latin typeface="Consolas" panose="020B0609020204030204" pitchFamily="49" charset="0"/>
+              </a:rPr>
+              <a:t># &gt; 4 </a:t>
+            </a:r>
+            <a:endParaRPr lang="es-CO" sz="2000" dirty="0">
+              <a:solidFill>
+                <a:srgbClr val="C9D1D9"/>
+              </a:solidFill>
+              <a:latin typeface="Consolas" panose="020B0609020204030204" pitchFamily="49" charset="0"/>
+            </a:endParaRPr>
+          </a:p>
+        </p:txBody>
+      </p:sp>
+      <p:sp>
+        <p:nvSpPr>
+          <p:cNvPr id="3" name="Rectángulo 2">
+            <a:extLst>
+              <a:ext uri="{FF2B5EF4-FFF2-40B4-BE49-F238E27FC236}">
+                <a16:creationId xmlns:a16="http://schemas.microsoft.com/office/drawing/2014/main" id="{55A58800-0B22-4DBD-BD91-BFD4E58B5CEB}"/>
+              </a:ext>
+            </a:extLst>
+          </p:cNvPr>
+          <p:cNvSpPr/>
+          <p:nvPr/>
+        </p:nvSpPr>
+        <p:spPr>
+          <a:xfrm>
+            <a:off x="8036011" y="1727983"/>
+            <a:ext cx="6096000" cy="707886"/>
+          </a:xfrm>
+          <a:prstGeom prst="rect">
+            <a:avLst/>
+          </a:prstGeom>
+        </p:spPr>
+        <p:txBody>
+          <a:bodyPr>
+            <a:spAutoFit/>
+          </a:bodyPr>
+          <a:lstStyle/>
+          <a:p>
+            <a:r>
+              <a:rPr lang="es-CO" sz="2000" dirty="0">
+                <a:solidFill>
+                  <a:srgbClr val="C9D1D9"/>
+                </a:solidFill>
+                <a:latin typeface="Consolas" panose="020B0609020204030204" pitchFamily="49" charset="0"/>
+              </a:rPr>
+              <a:t>resta </a:t>
+            </a:r>
+            <a:r>
+              <a:rPr lang="es-CO" sz="2000" dirty="0">
+                <a:solidFill>
+                  <a:srgbClr val="EC8E2C"/>
+                </a:solidFill>
+                <a:latin typeface="Consolas" panose="020B0609020204030204" pitchFamily="49" charset="0"/>
+              </a:rPr>
+              <a:t>=</a:t>
+            </a:r>
+            <a:r>
+              <a:rPr lang="es-CO" sz="2000" dirty="0">
+                <a:solidFill>
+                  <a:srgbClr val="C9D1D9"/>
+                </a:solidFill>
+                <a:latin typeface="Consolas" panose="020B0609020204030204" pitchFamily="49" charset="0"/>
+              </a:rPr>
+              <a:t> </a:t>
+            </a:r>
+            <a:r>
+              <a:rPr lang="es-CO" sz="2000" dirty="0">
+                <a:solidFill>
+                  <a:srgbClr val="79C0FF"/>
+                </a:solidFill>
+                <a:latin typeface="Consolas" panose="020B0609020204030204" pitchFamily="49" charset="0"/>
+              </a:rPr>
+              <a:t>2</a:t>
+            </a:r>
+            <a:r>
+              <a:rPr lang="es-CO" sz="2000" dirty="0">
+                <a:solidFill>
+                  <a:srgbClr val="C9D1D9"/>
+                </a:solidFill>
+                <a:latin typeface="Consolas" panose="020B0609020204030204" pitchFamily="49" charset="0"/>
+              </a:rPr>
+              <a:t> </a:t>
+            </a:r>
+            <a:r>
+              <a:rPr lang="es-CO" sz="2000" dirty="0">
+                <a:solidFill>
+                  <a:srgbClr val="EC8E2C"/>
+                </a:solidFill>
+                <a:latin typeface="Consolas" panose="020B0609020204030204" pitchFamily="49" charset="0"/>
+              </a:rPr>
+              <a:t>-</a:t>
+            </a:r>
+            <a:r>
+              <a:rPr lang="es-CO" sz="2000" dirty="0">
+                <a:solidFill>
+                  <a:srgbClr val="79C0FF"/>
+                </a:solidFill>
+                <a:latin typeface="Consolas" panose="020B0609020204030204" pitchFamily="49" charset="0"/>
+              </a:rPr>
+              <a:t>2</a:t>
+            </a:r>
+            <a:endParaRPr lang="es-CO" sz="2000" dirty="0">
+              <a:solidFill>
+                <a:srgbClr val="C9D1D9"/>
+              </a:solidFill>
+              <a:latin typeface="Consolas" panose="020B0609020204030204" pitchFamily="49" charset="0"/>
+            </a:endParaRPr>
+          </a:p>
+          <a:p>
+            <a:r>
+              <a:rPr lang="es-CO" sz="2000" dirty="0">
+                <a:solidFill>
+                  <a:srgbClr val="8B949E"/>
+                </a:solidFill>
+                <a:latin typeface="Consolas" panose="020B0609020204030204" pitchFamily="49" charset="0"/>
+              </a:rPr>
+              <a:t># &gt; 0</a:t>
+            </a:r>
+            <a:endParaRPr lang="es-CO" sz="2000" dirty="0">
+              <a:solidFill>
+                <a:srgbClr val="C9D1D9"/>
+              </a:solidFill>
+              <a:latin typeface="Consolas" panose="020B0609020204030204" pitchFamily="49" charset="0"/>
+            </a:endParaRPr>
+          </a:p>
+        </p:txBody>
+      </p:sp>
+      <p:sp>
+        <p:nvSpPr>
+          <p:cNvPr id="8" name="Rectángulo 7">
+            <a:extLst>
+              <a:ext uri="{FF2B5EF4-FFF2-40B4-BE49-F238E27FC236}">
+                <a16:creationId xmlns:a16="http://schemas.microsoft.com/office/drawing/2014/main" id="{C166E301-E057-46D1-ABFF-2405D32DFF09}"/>
+              </a:ext>
+            </a:extLst>
+          </p:cNvPr>
+          <p:cNvSpPr/>
+          <p:nvPr/>
+        </p:nvSpPr>
+        <p:spPr>
+          <a:xfrm>
+            <a:off x="694038" y="3210055"/>
+            <a:ext cx="6096000" cy="1323439"/>
+          </a:xfrm>
+          <a:prstGeom prst="rect">
+            <a:avLst/>
+          </a:prstGeom>
+        </p:spPr>
+        <p:txBody>
+          <a:bodyPr>
+            <a:spAutoFit/>
+          </a:bodyPr>
+          <a:lstStyle/>
+          <a:p>
+            <a:r>
+              <a:rPr lang="es-CO" sz="2000" dirty="0">
+                <a:solidFill>
+                  <a:srgbClr val="C9D1D9"/>
+                </a:solidFill>
+                <a:latin typeface="Consolas" panose="020B0609020204030204" pitchFamily="49" charset="0"/>
+              </a:rPr>
+              <a:t>multiplicacion </a:t>
+            </a:r>
+            <a:r>
+              <a:rPr lang="es-CO" sz="2000" dirty="0">
+                <a:solidFill>
+                  <a:srgbClr val="EC8E2C"/>
+                </a:solidFill>
+                <a:latin typeface="Consolas" panose="020B0609020204030204" pitchFamily="49" charset="0"/>
+              </a:rPr>
+              <a:t>=</a:t>
+            </a:r>
+            <a:r>
+              <a:rPr lang="es-CO" sz="2000" dirty="0">
+                <a:solidFill>
+                  <a:srgbClr val="C9D1D9"/>
+                </a:solidFill>
+                <a:latin typeface="Consolas" panose="020B0609020204030204" pitchFamily="49" charset="0"/>
+              </a:rPr>
+              <a:t> </a:t>
+            </a:r>
+            <a:r>
+              <a:rPr lang="es-CO" sz="2000" dirty="0">
+                <a:solidFill>
+                  <a:srgbClr val="79C0FF"/>
+                </a:solidFill>
+                <a:latin typeface="Consolas" panose="020B0609020204030204" pitchFamily="49" charset="0"/>
+              </a:rPr>
+              <a:t>2</a:t>
+            </a:r>
+            <a:r>
+              <a:rPr lang="es-CO" sz="2000" dirty="0">
+                <a:solidFill>
+                  <a:srgbClr val="C9D1D9"/>
+                </a:solidFill>
+                <a:latin typeface="Consolas" panose="020B0609020204030204" pitchFamily="49" charset="0"/>
+              </a:rPr>
+              <a:t> </a:t>
+            </a:r>
+            <a:r>
+              <a:rPr lang="es-CO" sz="2000" dirty="0">
+                <a:solidFill>
+                  <a:srgbClr val="EC8E2C"/>
+                </a:solidFill>
+                <a:latin typeface="Consolas" panose="020B0609020204030204" pitchFamily="49" charset="0"/>
+              </a:rPr>
+              <a:t>*</a:t>
+            </a:r>
+            <a:r>
+              <a:rPr lang="es-CO" sz="2000" dirty="0">
+                <a:solidFill>
+                  <a:srgbClr val="C9D1D9"/>
+                </a:solidFill>
+                <a:latin typeface="Consolas" panose="020B0609020204030204" pitchFamily="49" charset="0"/>
+              </a:rPr>
+              <a:t> </a:t>
+            </a:r>
+            <a:r>
+              <a:rPr lang="es-CO" sz="2000" dirty="0">
+                <a:solidFill>
+                  <a:srgbClr val="79C0FF"/>
+                </a:solidFill>
+                <a:latin typeface="Consolas" panose="020B0609020204030204" pitchFamily="49" charset="0"/>
+              </a:rPr>
+              <a:t>2</a:t>
+            </a:r>
+            <a:endParaRPr lang="es-CO" sz="2000" dirty="0">
+              <a:solidFill>
+                <a:srgbClr val="C9D1D9"/>
+              </a:solidFill>
+              <a:latin typeface="Consolas" panose="020B0609020204030204" pitchFamily="49" charset="0"/>
+            </a:endParaRPr>
+          </a:p>
+          <a:p>
+            <a:r>
+              <a:rPr lang="es-CO" sz="2000" dirty="0">
+                <a:solidFill>
+                  <a:srgbClr val="8B949E"/>
+                </a:solidFill>
+                <a:latin typeface="Consolas" panose="020B0609020204030204" pitchFamily="49" charset="0"/>
+              </a:rPr>
+              <a:t># &gt; 4</a:t>
+            </a:r>
+            <a:endParaRPr lang="es-CO" sz="2000" dirty="0">
+              <a:solidFill>
+                <a:srgbClr val="C9D1D9"/>
+              </a:solidFill>
+              <a:latin typeface="Consolas" panose="020B0609020204030204" pitchFamily="49" charset="0"/>
+            </a:endParaRPr>
+          </a:p>
+          <a:p>
+            <a:br>
+              <a:rPr lang="es-CO" sz="2000" dirty="0">
+                <a:solidFill>
+                  <a:srgbClr val="C9D1D9"/>
+                </a:solidFill>
+                <a:latin typeface="Consolas" panose="020B0609020204030204" pitchFamily="49" charset="0"/>
+              </a:rPr>
+            </a:br>
+            <a:endParaRPr lang="es-CO" sz="2000" b="0" dirty="0">
+              <a:solidFill>
+                <a:srgbClr val="C9D1D9"/>
+              </a:solidFill>
+              <a:effectLst/>
+              <a:latin typeface="Consolas" panose="020B0609020204030204" pitchFamily="49" charset="0"/>
+            </a:endParaRPr>
+          </a:p>
+        </p:txBody>
+      </p:sp>
+      <p:sp>
+        <p:nvSpPr>
+          <p:cNvPr id="9" name="Rectángulo 8">
+            <a:extLst>
+              <a:ext uri="{FF2B5EF4-FFF2-40B4-BE49-F238E27FC236}">
+                <a16:creationId xmlns:a16="http://schemas.microsoft.com/office/drawing/2014/main" id="{D9136071-8324-40FB-B9D4-8A36D05FB8C3}"/>
+              </a:ext>
+            </a:extLst>
+          </p:cNvPr>
+          <p:cNvSpPr/>
+          <p:nvPr/>
+        </p:nvSpPr>
+        <p:spPr>
+          <a:xfrm>
+            <a:off x="4724400" y="3205074"/>
+            <a:ext cx="6096000" cy="1631216"/>
+          </a:xfrm>
+          <a:prstGeom prst="rect">
+            <a:avLst/>
+          </a:prstGeom>
+        </p:spPr>
+        <p:txBody>
+          <a:bodyPr>
+            <a:spAutoFit/>
+          </a:bodyPr>
+          <a:lstStyle/>
+          <a:p>
+            <a:r>
+              <a:rPr lang="es-CO" sz="2000" dirty="0">
+                <a:solidFill>
+                  <a:srgbClr val="8B949E"/>
+                </a:solidFill>
+                <a:latin typeface="Consolas" panose="020B0609020204030204" pitchFamily="49" charset="0"/>
+              </a:rPr>
+              <a:t>#Exacta</a:t>
+            </a:r>
+            <a:endParaRPr lang="es-CO" sz="2000" dirty="0">
+              <a:solidFill>
+                <a:srgbClr val="C9D1D9"/>
+              </a:solidFill>
+              <a:latin typeface="Consolas" panose="020B0609020204030204" pitchFamily="49" charset="0"/>
+            </a:endParaRPr>
+          </a:p>
+          <a:p>
+            <a:br>
+              <a:rPr lang="es-CO" sz="2000" dirty="0">
+                <a:solidFill>
+                  <a:srgbClr val="C9D1D9"/>
+                </a:solidFill>
+                <a:latin typeface="Consolas" panose="020B0609020204030204" pitchFamily="49" charset="0"/>
+              </a:rPr>
+            </a:br>
+            <a:r>
+              <a:rPr lang="es-CO" sz="2000" dirty="0">
+                <a:solidFill>
+                  <a:srgbClr val="C9D1D9"/>
+                </a:solidFill>
+                <a:latin typeface="Consolas" panose="020B0609020204030204" pitchFamily="49" charset="0"/>
+              </a:rPr>
+              <a:t>division1 </a:t>
+            </a:r>
+            <a:r>
+              <a:rPr lang="es-CO" sz="2000" dirty="0">
+                <a:solidFill>
+                  <a:srgbClr val="EC8E2C"/>
+                </a:solidFill>
+                <a:latin typeface="Consolas" panose="020B0609020204030204" pitchFamily="49" charset="0"/>
+              </a:rPr>
+              <a:t>=</a:t>
+            </a:r>
+            <a:r>
+              <a:rPr lang="es-CO" sz="2000" dirty="0">
+                <a:solidFill>
+                  <a:srgbClr val="C9D1D9"/>
+                </a:solidFill>
+                <a:latin typeface="Consolas" panose="020B0609020204030204" pitchFamily="49" charset="0"/>
+              </a:rPr>
+              <a:t> </a:t>
+            </a:r>
+            <a:r>
+              <a:rPr lang="es-CO" sz="2000" dirty="0">
+                <a:solidFill>
+                  <a:srgbClr val="79C0FF"/>
+                </a:solidFill>
+                <a:latin typeface="Consolas" panose="020B0609020204030204" pitchFamily="49" charset="0"/>
+              </a:rPr>
+              <a:t>2</a:t>
+            </a:r>
+            <a:r>
+              <a:rPr lang="es-CO" sz="2000" dirty="0">
+                <a:solidFill>
+                  <a:srgbClr val="C9D1D9"/>
+                </a:solidFill>
+                <a:latin typeface="Consolas" panose="020B0609020204030204" pitchFamily="49" charset="0"/>
+              </a:rPr>
+              <a:t> </a:t>
+            </a:r>
+            <a:r>
+              <a:rPr lang="es-CO" sz="2000" dirty="0">
+                <a:solidFill>
+                  <a:srgbClr val="EC8E2C"/>
+                </a:solidFill>
+                <a:latin typeface="Consolas" panose="020B0609020204030204" pitchFamily="49" charset="0"/>
+              </a:rPr>
+              <a:t>//</a:t>
+            </a:r>
+            <a:r>
+              <a:rPr lang="es-CO" sz="2000" dirty="0">
+                <a:solidFill>
+                  <a:srgbClr val="C9D1D9"/>
+                </a:solidFill>
+                <a:latin typeface="Consolas" panose="020B0609020204030204" pitchFamily="49" charset="0"/>
+              </a:rPr>
+              <a:t> </a:t>
+            </a:r>
+            <a:r>
+              <a:rPr lang="es-CO" sz="2000" dirty="0">
+                <a:solidFill>
+                  <a:srgbClr val="79C0FF"/>
+                </a:solidFill>
+                <a:latin typeface="Consolas" panose="020B0609020204030204" pitchFamily="49" charset="0"/>
+              </a:rPr>
+              <a:t>3</a:t>
+            </a:r>
+            <a:r>
+              <a:rPr lang="es-CO" sz="2000" dirty="0">
+                <a:solidFill>
+                  <a:srgbClr val="C9D1D9"/>
+                </a:solidFill>
+                <a:latin typeface="Consolas" panose="020B0609020204030204" pitchFamily="49" charset="0"/>
+              </a:rPr>
+              <a:t> </a:t>
+            </a:r>
+          </a:p>
+          <a:p>
+            <a:br>
+              <a:rPr lang="es-CO" sz="2000" dirty="0">
+                <a:solidFill>
+                  <a:srgbClr val="C9D1D9"/>
+                </a:solidFill>
+                <a:latin typeface="Consolas" panose="020B0609020204030204" pitchFamily="49" charset="0"/>
+              </a:rPr>
+            </a:br>
+            <a:r>
+              <a:rPr lang="es-CO" sz="2000" dirty="0">
+                <a:solidFill>
+                  <a:srgbClr val="8B949E"/>
+                </a:solidFill>
+                <a:latin typeface="Consolas" panose="020B0609020204030204" pitchFamily="49" charset="0"/>
+              </a:rPr>
+              <a:t># &gt; 0 </a:t>
+            </a:r>
+            <a:endParaRPr lang="es-CO" sz="2000" b="0" dirty="0">
+              <a:solidFill>
+                <a:srgbClr val="C9D1D9"/>
+              </a:solidFill>
+              <a:effectLst/>
+              <a:latin typeface="Consolas" panose="020B0609020204030204" pitchFamily="49" charset="0"/>
+            </a:endParaRPr>
+          </a:p>
+        </p:txBody>
+      </p:sp>
+      <p:sp>
+        <p:nvSpPr>
+          <p:cNvPr id="10" name="Rectángulo 9">
+            <a:extLst>
+              <a:ext uri="{FF2B5EF4-FFF2-40B4-BE49-F238E27FC236}">
+                <a16:creationId xmlns:a16="http://schemas.microsoft.com/office/drawing/2014/main" id="{B1742DAA-BD15-43D1-BCB3-E30F8552E6C9}"/>
+              </a:ext>
+            </a:extLst>
+          </p:cNvPr>
+          <p:cNvSpPr/>
+          <p:nvPr/>
+        </p:nvSpPr>
+        <p:spPr>
+          <a:xfrm>
+            <a:off x="8855675" y="2794853"/>
+            <a:ext cx="6096000" cy="1200329"/>
+          </a:xfrm>
+          <a:prstGeom prst="rect">
+            <a:avLst/>
+          </a:prstGeom>
+        </p:spPr>
+        <p:txBody>
+          <a:bodyPr>
+            <a:spAutoFit/>
+          </a:bodyPr>
+          <a:lstStyle/>
+          <a:p>
+            <a:r>
+              <a:rPr lang="es-CO" dirty="0">
+                <a:solidFill>
+                  <a:srgbClr val="8B949E"/>
+                </a:solidFill>
+                <a:latin typeface="Consolas" panose="020B0609020204030204" pitchFamily="49" charset="0"/>
+              </a:rPr>
+              <a:t>#Inexacta</a:t>
+            </a:r>
+            <a:endParaRPr lang="es-CO" dirty="0">
+              <a:solidFill>
+                <a:srgbClr val="C9D1D9"/>
+              </a:solidFill>
+              <a:latin typeface="Consolas" panose="020B0609020204030204" pitchFamily="49" charset="0"/>
+            </a:endParaRPr>
+          </a:p>
+          <a:p>
+            <a:br>
+              <a:rPr lang="es-CO" dirty="0">
+                <a:solidFill>
+                  <a:srgbClr val="C9D1D9"/>
+                </a:solidFill>
+                <a:latin typeface="Consolas" panose="020B0609020204030204" pitchFamily="49" charset="0"/>
+              </a:rPr>
+            </a:br>
+            <a:r>
+              <a:rPr lang="es-CO" dirty="0">
+                <a:solidFill>
+                  <a:srgbClr val="C9D1D9"/>
+                </a:solidFill>
+                <a:latin typeface="Consolas" panose="020B0609020204030204" pitchFamily="49" charset="0"/>
+              </a:rPr>
+              <a:t>division2 </a:t>
+            </a:r>
+            <a:r>
+              <a:rPr lang="es-CO" dirty="0">
+                <a:solidFill>
+                  <a:srgbClr val="EC8E2C"/>
+                </a:solidFill>
+                <a:latin typeface="Consolas" panose="020B0609020204030204" pitchFamily="49" charset="0"/>
+              </a:rPr>
+              <a:t>=</a:t>
+            </a:r>
+            <a:r>
+              <a:rPr lang="es-CO" dirty="0">
+                <a:solidFill>
+                  <a:srgbClr val="C9D1D9"/>
+                </a:solidFill>
+                <a:latin typeface="Consolas" panose="020B0609020204030204" pitchFamily="49" charset="0"/>
+              </a:rPr>
+              <a:t> </a:t>
+            </a:r>
+            <a:r>
+              <a:rPr lang="es-CO" dirty="0">
+                <a:solidFill>
+                  <a:srgbClr val="79C0FF"/>
+                </a:solidFill>
+                <a:latin typeface="Consolas" panose="020B0609020204030204" pitchFamily="49" charset="0"/>
+              </a:rPr>
+              <a:t>2</a:t>
+            </a:r>
+            <a:r>
+              <a:rPr lang="es-CO" dirty="0">
+                <a:solidFill>
+                  <a:srgbClr val="C9D1D9"/>
+                </a:solidFill>
+                <a:latin typeface="Consolas" panose="020B0609020204030204" pitchFamily="49" charset="0"/>
+              </a:rPr>
+              <a:t> </a:t>
+            </a:r>
+            <a:r>
+              <a:rPr lang="es-CO" dirty="0">
+                <a:solidFill>
+                  <a:srgbClr val="EC8E2C"/>
+                </a:solidFill>
+                <a:latin typeface="Consolas" panose="020B0609020204030204" pitchFamily="49" charset="0"/>
+              </a:rPr>
+              <a:t>//</a:t>
+            </a:r>
+            <a:r>
+              <a:rPr lang="es-CO" dirty="0">
+                <a:solidFill>
+                  <a:srgbClr val="C9D1D9"/>
+                </a:solidFill>
+                <a:latin typeface="Consolas" panose="020B0609020204030204" pitchFamily="49" charset="0"/>
+              </a:rPr>
+              <a:t> </a:t>
+            </a:r>
+            <a:r>
+              <a:rPr lang="es-CO" dirty="0">
+                <a:solidFill>
+                  <a:srgbClr val="79C0FF"/>
+                </a:solidFill>
+                <a:latin typeface="Consolas" panose="020B0609020204030204" pitchFamily="49" charset="0"/>
+              </a:rPr>
+              <a:t>3</a:t>
+            </a:r>
+            <a:r>
+              <a:rPr lang="es-CO" dirty="0">
+                <a:solidFill>
+                  <a:srgbClr val="C9D1D9"/>
+                </a:solidFill>
+                <a:latin typeface="Consolas" panose="020B0609020204030204" pitchFamily="49" charset="0"/>
+              </a:rPr>
+              <a:t> </a:t>
+            </a:r>
+            <a:br>
+              <a:rPr lang="es-CO" dirty="0">
+                <a:solidFill>
+                  <a:srgbClr val="C9D1D9"/>
+                </a:solidFill>
+                <a:latin typeface="Consolas" panose="020B0609020204030204" pitchFamily="49" charset="0"/>
+              </a:rPr>
+            </a:br>
+            <a:r>
+              <a:rPr lang="es-CO" dirty="0">
+                <a:solidFill>
+                  <a:srgbClr val="8B949E"/>
+                </a:solidFill>
+                <a:latin typeface="Consolas" panose="020B0609020204030204" pitchFamily="49" charset="0"/>
+              </a:rPr>
+              <a:t># &gt; 0.666</a:t>
+            </a:r>
+            <a:endParaRPr lang="es-CO" b="0" dirty="0">
+              <a:solidFill>
+                <a:srgbClr val="C9D1D9"/>
+              </a:solidFill>
+              <a:effectLst/>
+              <a:latin typeface="Consolas" panose="020B0609020204030204" pitchFamily="49" charset="0"/>
+            </a:endParaRPr>
+          </a:p>
+        </p:txBody>
+      </p:sp>
+      <p:sp>
+        <p:nvSpPr>
+          <p:cNvPr id="11" name="Rectángulo 10">
+            <a:extLst>
+              <a:ext uri="{FF2B5EF4-FFF2-40B4-BE49-F238E27FC236}">
+                <a16:creationId xmlns:a16="http://schemas.microsoft.com/office/drawing/2014/main" id="{13861C7C-7A26-4523-BB85-95A2C9184025}"/>
+              </a:ext>
+            </a:extLst>
+          </p:cNvPr>
+          <p:cNvSpPr/>
+          <p:nvPr/>
+        </p:nvSpPr>
+        <p:spPr>
+          <a:xfrm>
+            <a:off x="1107989" y="4899714"/>
+            <a:ext cx="6096000" cy="707886"/>
+          </a:xfrm>
+          <a:prstGeom prst="rect">
+            <a:avLst/>
+          </a:prstGeom>
+        </p:spPr>
+        <p:txBody>
+          <a:bodyPr>
+            <a:spAutoFit/>
+          </a:bodyPr>
+          <a:lstStyle/>
+          <a:p>
+            <a:r>
+              <a:rPr lang="es-CO" sz="2000" dirty="0">
+                <a:solidFill>
+                  <a:srgbClr val="C9D1D9"/>
+                </a:solidFill>
+                <a:latin typeface="Consolas" panose="020B0609020204030204" pitchFamily="49" charset="0"/>
+              </a:rPr>
+              <a:t>modulo </a:t>
+            </a:r>
+            <a:r>
+              <a:rPr lang="es-CO" sz="2000" dirty="0">
+                <a:solidFill>
+                  <a:srgbClr val="EC8E2C"/>
+                </a:solidFill>
+                <a:latin typeface="Consolas" panose="020B0609020204030204" pitchFamily="49" charset="0"/>
+              </a:rPr>
+              <a:t>=</a:t>
+            </a:r>
+            <a:r>
+              <a:rPr lang="es-CO" sz="2000" dirty="0">
+                <a:solidFill>
+                  <a:srgbClr val="C9D1D9"/>
+                </a:solidFill>
+                <a:latin typeface="Consolas" panose="020B0609020204030204" pitchFamily="49" charset="0"/>
+              </a:rPr>
+              <a:t> </a:t>
+            </a:r>
+            <a:r>
+              <a:rPr lang="es-CO" sz="2000" dirty="0">
+                <a:solidFill>
+                  <a:srgbClr val="79C0FF"/>
+                </a:solidFill>
+                <a:latin typeface="Consolas" panose="020B0609020204030204" pitchFamily="49" charset="0"/>
+              </a:rPr>
+              <a:t>2</a:t>
+            </a:r>
+            <a:r>
+              <a:rPr lang="es-CO" sz="2000" dirty="0">
+                <a:solidFill>
+                  <a:srgbClr val="C9D1D9"/>
+                </a:solidFill>
+                <a:latin typeface="Consolas" panose="020B0609020204030204" pitchFamily="49" charset="0"/>
+              </a:rPr>
+              <a:t> </a:t>
+            </a:r>
+            <a:r>
+              <a:rPr lang="es-CO" sz="2000" dirty="0">
+                <a:solidFill>
+                  <a:srgbClr val="EC8E2C"/>
+                </a:solidFill>
+                <a:latin typeface="Consolas" panose="020B0609020204030204" pitchFamily="49" charset="0"/>
+              </a:rPr>
+              <a:t>%</a:t>
+            </a:r>
+            <a:r>
+              <a:rPr lang="es-CO" sz="2000" dirty="0">
+                <a:solidFill>
+                  <a:srgbClr val="C9D1D9"/>
+                </a:solidFill>
+                <a:latin typeface="Consolas" panose="020B0609020204030204" pitchFamily="49" charset="0"/>
+              </a:rPr>
+              <a:t> </a:t>
+            </a:r>
+            <a:r>
+              <a:rPr lang="es-CO" sz="2000" dirty="0">
+                <a:solidFill>
+                  <a:srgbClr val="79C0FF"/>
+                </a:solidFill>
+                <a:latin typeface="Consolas" panose="020B0609020204030204" pitchFamily="49" charset="0"/>
+              </a:rPr>
+              <a:t>5</a:t>
+            </a:r>
+            <a:br>
+              <a:rPr lang="es-CO" sz="2000" dirty="0">
+                <a:solidFill>
+                  <a:srgbClr val="C9D1D9"/>
+                </a:solidFill>
+                <a:latin typeface="Consolas" panose="020B0609020204030204" pitchFamily="49" charset="0"/>
+              </a:rPr>
+            </a:br>
+            <a:r>
+              <a:rPr lang="es-CO" sz="2000" dirty="0">
+                <a:solidFill>
+                  <a:srgbClr val="8B949E"/>
+                </a:solidFill>
+                <a:latin typeface="Consolas" panose="020B0609020204030204" pitchFamily="49" charset="0"/>
+              </a:rPr>
+              <a:t># &gt; 2</a:t>
+            </a:r>
+            <a:endParaRPr lang="es-CO" sz="2000" b="0" dirty="0">
+              <a:solidFill>
+                <a:srgbClr val="C9D1D9"/>
+              </a:solidFill>
+              <a:effectLst/>
+              <a:latin typeface="Consolas" panose="020B0609020204030204" pitchFamily="49" charset="0"/>
+            </a:endParaRPr>
+          </a:p>
+        </p:txBody>
+      </p:sp>
+      <p:sp>
+        <p:nvSpPr>
+          <p:cNvPr id="12" name="Rectángulo 11">
+            <a:extLst>
+              <a:ext uri="{FF2B5EF4-FFF2-40B4-BE49-F238E27FC236}">
+                <a16:creationId xmlns:a16="http://schemas.microsoft.com/office/drawing/2014/main" id="{BABAEF94-1C2E-4D98-AB48-70C142DB18A0}"/>
+              </a:ext>
+            </a:extLst>
+          </p:cNvPr>
+          <p:cNvSpPr/>
+          <p:nvPr/>
+        </p:nvSpPr>
+        <p:spPr>
+          <a:xfrm>
+            <a:off x="6966857" y="5067358"/>
+            <a:ext cx="6096000" cy="707886"/>
+          </a:xfrm>
+          <a:prstGeom prst="rect">
+            <a:avLst/>
+          </a:prstGeom>
+        </p:spPr>
+        <p:txBody>
+          <a:bodyPr>
+            <a:spAutoFit/>
+          </a:bodyPr>
+          <a:lstStyle/>
+          <a:p>
+            <a:r>
+              <a:rPr lang="es-CO" sz="2000" dirty="0">
+                <a:solidFill>
+                  <a:srgbClr val="C9D1D9"/>
+                </a:solidFill>
+                <a:latin typeface="Consolas" panose="020B0609020204030204" pitchFamily="49" charset="0"/>
+              </a:rPr>
+              <a:t>potencia </a:t>
+            </a:r>
+            <a:r>
+              <a:rPr lang="es-CO" sz="2000" dirty="0">
+                <a:solidFill>
+                  <a:srgbClr val="EC8E2C"/>
+                </a:solidFill>
+                <a:latin typeface="Consolas" panose="020B0609020204030204" pitchFamily="49" charset="0"/>
+              </a:rPr>
+              <a:t>=</a:t>
+            </a:r>
+            <a:r>
+              <a:rPr lang="es-CO" sz="2000" dirty="0">
+                <a:solidFill>
+                  <a:srgbClr val="C9D1D9"/>
+                </a:solidFill>
+                <a:latin typeface="Consolas" panose="020B0609020204030204" pitchFamily="49" charset="0"/>
+              </a:rPr>
+              <a:t> </a:t>
+            </a:r>
+            <a:r>
+              <a:rPr lang="es-CO" sz="2000" dirty="0">
+                <a:solidFill>
+                  <a:srgbClr val="79C0FF"/>
+                </a:solidFill>
+                <a:latin typeface="Consolas" panose="020B0609020204030204" pitchFamily="49" charset="0"/>
+              </a:rPr>
+              <a:t>2</a:t>
+            </a:r>
+            <a:r>
+              <a:rPr lang="es-CO" sz="2000" dirty="0">
+                <a:solidFill>
+                  <a:srgbClr val="C9D1D9"/>
+                </a:solidFill>
+                <a:latin typeface="Consolas" panose="020B0609020204030204" pitchFamily="49" charset="0"/>
+              </a:rPr>
+              <a:t> </a:t>
+            </a:r>
+            <a:r>
+              <a:rPr lang="es-CO" sz="2000" dirty="0">
+                <a:solidFill>
+                  <a:srgbClr val="EC8E2C"/>
+                </a:solidFill>
+                <a:latin typeface="Consolas" panose="020B0609020204030204" pitchFamily="49" charset="0"/>
+              </a:rPr>
+              <a:t>**</a:t>
+            </a:r>
+            <a:r>
+              <a:rPr lang="es-CO" sz="2000" dirty="0">
+                <a:solidFill>
+                  <a:srgbClr val="C9D1D9"/>
+                </a:solidFill>
+                <a:latin typeface="Consolas" panose="020B0609020204030204" pitchFamily="49" charset="0"/>
+              </a:rPr>
+              <a:t> </a:t>
+            </a:r>
+            <a:r>
+              <a:rPr lang="es-CO" sz="2000" dirty="0">
+                <a:solidFill>
+                  <a:srgbClr val="79C0FF"/>
+                </a:solidFill>
+                <a:latin typeface="Consolas" panose="020B0609020204030204" pitchFamily="49" charset="0"/>
+              </a:rPr>
+              <a:t>3</a:t>
+            </a:r>
+            <a:br>
+              <a:rPr lang="es-CO" sz="2000" dirty="0">
+                <a:solidFill>
+                  <a:srgbClr val="C9D1D9"/>
+                </a:solidFill>
+                <a:latin typeface="Consolas" panose="020B0609020204030204" pitchFamily="49" charset="0"/>
+              </a:rPr>
+            </a:br>
+            <a:r>
+              <a:rPr lang="es-CO" sz="2000" dirty="0">
+                <a:solidFill>
+                  <a:srgbClr val="8B949E"/>
+                </a:solidFill>
+                <a:latin typeface="Consolas" panose="020B0609020204030204" pitchFamily="49" charset="0"/>
+              </a:rPr>
+              <a:t># &gt; 8</a:t>
+            </a:r>
+            <a:endParaRPr lang="es-CO" sz="2000" b="0" dirty="0">
+              <a:solidFill>
+                <a:srgbClr val="C9D1D9"/>
+              </a:solidFill>
+              <a:effectLst/>
+              <a:latin typeface="Consolas" panose="020B0609020204030204" pitchFamily="49" charset="0"/>
+            </a:endParaRPr>
+          </a:p>
+        </p:txBody>
+      </p:sp>
+    </p:spTree>
+    <p:extLst>
+      <p:ext uri="{BB962C8B-B14F-4D97-AF65-F5344CB8AC3E}">
+        <p14:creationId xmlns:p14="http://schemas.microsoft.com/office/powerpoint/2010/main" val="573995123"/>
+      </p:ext>
+    </p:extLst>
+  </p:cSld>
+  <p:clrMapOvr>
+    <a:masterClrMapping/>
+  </p:clrMapOvr>
+</p:sld>
+</file>
+
 <file path=ppt/theme/theme1.xml><?xml version="1.0" encoding="utf-8"?>
 <a:theme xmlns:a="http://schemas.openxmlformats.org/drawingml/2006/main" name="Tema de Office">
   <a:themeElements>
